--- a/Figures/Dist3/Dist3.pptx
+++ b/Figures/Dist3/Dist3.pptx
@@ -2973,13 +2973,17 @@
       </p:grpSpPr>
       <p:pic>
         <p:nvPicPr>
-          <p:cNvPr id="4" name="Picture 3"/>
+          <p:cNvPr id="2" name="Picture 1"/>
           <p:cNvPicPr>
             <a:picLocks noChangeAspect="1"/>
           </p:cNvPicPr>
-          <p:nvPr/>
+          <p:nvPr>
+            <p:custDataLst>
+              <p:tags r:id="rId1"/>
+            </p:custDataLst>
+          </p:nvPr>
         </p:nvPicPr>
-        <p:blipFill rotWithShape="1">
+        <p:blipFill>
           <a:blip r:embed="rId28">
             <a:extLst>
               <a:ext uri="{28A0092B-C50C-407E-A947-70E740481C1C}">
@@ -2987,13 +2991,14 @@
               </a:ext>
             </a:extLst>
           </a:blip>
-          <a:srcRect l="16353" t="8650" r="10314" b="22016"/>
-          <a:stretch/>
+          <a:stretch>
+            <a:fillRect/>
+          </a:stretch>
         </p:blipFill>
         <p:spPr>
           <a:xfrm>
-            <a:off x="2061737" y="937260"/>
-            <a:ext cx="1554480" cy="4754880"/>
+            <a:off x="2679028" y="833120"/>
+            <a:ext cx="1081905" cy="255238"/>
           </a:xfrm>
           <a:prstGeom prst="rect">
             <a:avLst/>
@@ -3002,13 +3007,17 @@
       </p:pic>
       <p:pic>
         <p:nvPicPr>
-          <p:cNvPr id="13" name="Picture 12"/>
+          <p:cNvPr id="6" name="Picture 5"/>
           <p:cNvPicPr>
             <a:picLocks noChangeAspect="1"/>
           </p:cNvPicPr>
-          <p:nvPr/>
+          <p:nvPr>
+            <p:custDataLst>
+              <p:tags r:id="rId2"/>
+            </p:custDataLst>
+          </p:nvPr>
         </p:nvPicPr>
-        <p:blipFill rotWithShape="1">
+        <p:blipFill>
           <a:blip r:embed="rId29">
             <a:extLst>
               <a:ext uri="{28A0092B-C50C-407E-A947-70E740481C1C}">
@@ -3016,13 +3025,14 @@
               </a:ext>
             </a:extLst>
           </a:blip>
-          <a:srcRect l="16138" t="8588" r="10530" b="22079"/>
-          <a:stretch/>
+          <a:stretch>
+            <a:fillRect/>
+          </a:stretch>
         </p:blipFill>
         <p:spPr>
           <a:xfrm>
-            <a:off x="13587241" y="937260"/>
-            <a:ext cx="1554480" cy="4754880"/>
+            <a:off x="4426853" y="833967"/>
+            <a:ext cx="878095" cy="255238"/>
           </a:xfrm>
           <a:prstGeom prst="rect">
             <a:avLst/>
@@ -3031,13 +3041,17 @@
       </p:pic>
       <p:pic>
         <p:nvPicPr>
-          <p:cNvPr id="15" name="Picture 14"/>
+          <p:cNvPr id="7" name="Picture 6"/>
           <p:cNvPicPr>
             <a:picLocks noChangeAspect="1"/>
           </p:cNvPicPr>
-          <p:nvPr/>
+          <p:nvPr>
+            <p:custDataLst>
+              <p:tags r:id="rId3"/>
+            </p:custDataLst>
+          </p:nvPr>
         </p:nvPicPr>
-        <p:blipFill rotWithShape="1">
+        <p:blipFill>
           <a:blip r:embed="rId30">
             <a:extLst>
               <a:ext uri="{28A0092B-C50C-407E-A947-70E740481C1C}">
@@ -3045,13 +3059,14 @@
               </a:ext>
             </a:extLst>
           </a:blip>
-          <a:srcRect l="16353" t="8649" r="10314" b="22017"/>
-          <a:stretch/>
+          <a:stretch>
+            <a:fillRect/>
+          </a:stretch>
         </p:blipFill>
         <p:spPr>
           <a:xfrm>
-            <a:off x="10291337" y="937260"/>
-            <a:ext cx="1554480" cy="4754880"/>
+            <a:off x="5970868" y="833120"/>
+            <a:ext cx="1081905" cy="255238"/>
           </a:xfrm>
           <a:prstGeom prst="rect">
             <a:avLst/>
@@ -3060,13 +3075,17 @@
       </p:pic>
       <p:pic>
         <p:nvPicPr>
-          <p:cNvPr id="16" name="Picture 15"/>
+          <p:cNvPr id="8" name="Picture 7"/>
           <p:cNvPicPr>
             <a:picLocks noChangeAspect="1"/>
           </p:cNvPicPr>
-          <p:nvPr/>
+          <p:nvPr>
+            <p:custDataLst>
+              <p:tags r:id="rId4"/>
+            </p:custDataLst>
+          </p:nvPr>
         </p:nvPicPr>
-        <p:blipFill rotWithShape="1">
+        <p:blipFill>
           <a:blip r:embed="rId31">
             <a:extLst>
               <a:ext uri="{28A0092B-C50C-407E-A947-70E740481C1C}">
@@ -3074,13 +3093,14 @@
               </a:ext>
             </a:extLst>
           </a:blip>
-          <a:srcRect l="16353" t="8651" r="10314" b="22015"/>
-          <a:stretch/>
+          <a:stretch>
+            <a:fillRect/>
+          </a:stretch>
         </p:blipFill>
         <p:spPr>
           <a:xfrm>
-            <a:off x="6999497" y="937260"/>
-            <a:ext cx="1554480" cy="4754880"/>
+            <a:off x="7718689" y="839438"/>
+            <a:ext cx="885714" cy="255238"/>
           </a:xfrm>
           <a:prstGeom prst="rect">
             <a:avLst/>
@@ -3089,13 +3109,17 @@
       </p:pic>
       <p:pic>
         <p:nvPicPr>
-          <p:cNvPr id="17" name="Picture 16"/>
+          <p:cNvPr id="9" name="Picture 8"/>
           <p:cNvPicPr>
             <a:picLocks noChangeAspect="1"/>
           </p:cNvPicPr>
-          <p:nvPr/>
+          <p:nvPr>
+            <p:custDataLst>
+              <p:tags r:id="rId5"/>
+            </p:custDataLst>
+          </p:nvPr>
         </p:nvPicPr>
-        <p:blipFill rotWithShape="1">
+        <p:blipFill>
           <a:blip r:embed="rId32">
             <a:extLst>
               <a:ext uri="{28A0092B-C50C-407E-A947-70E740481C1C}">
@@ -3103,13 +3127,14 @@
               </a:ext>
             </a:extLst>
           </a:blip>
-          <a:srcRect l="16353" t="8651" r="10314" b="22015"/>
-          <a:stretch/>
+          <a:stretch>
+            <a:fillRect/>
+          </a:stretch>
         </p:blipFill>
         <p:spPr>
           <a:xfrm>
-            <a:off x="5353577" y="937260"/>
-            <a:ext cx="1554480" cy="4754880"/>
+            <a:off x="9363915" y="833120"/>
+            <a:ext cx="887619" cy="255238"/>
           </a:xfrm>
           <a:prstGeom prst="rect">
             <a:avLst/>
@@ -3118,13 +3143,17 @@
       </p:pic>
       <p:pic>
         <p:nvPicPr>
-          <p:cNvPr id="18" name="Picture 17"/>
+          <p:cNvPr id="10" name="Picture 9"/>
           <p:cNvPicPr>
             <a:picLocks noChangeAspect="1"/>
           </p:cNvPicPr>
-          <p:nvPr/>
+          <p:nvPr>
+            <p:custDataLst>
+              <p:tags r:id="rId6"/>
+            </p:custDataLst>
+          </p:nvPr>
         </p:nvPicPr>
-        <p:blipFill rotWithShape="1">
+        <p:blipFill>
           <a:blip r:embed="rId33">
             <a:extLst>
               <a:ext uri="{28A0092B-C50C-407E-A947-70E740481C1C}">
@@ -3132,13 +3161,14 @@
               </a:ext>
             </a:extLst>
           </a:blip>
-          <a:srcRect l="16353" t="8650" r="10314" b="22016"/>
-          <a:stretch/>
+          <a:stretch>
+            <a:fillRect/>
+          </a:stretch>
         </p:blipFill>
         <p:spPr>
           <a:xfrm>
-            <a:off x="3707657" y="937260"/>
-            <a:ext cx="1554480" cy="4754880"/>
+            <a:off x="11003866" y="828008"/>
+            <a:ext cx="891429" cy="255238"/>
           </a:xfrm>
           <a:prstGeom prst="rect">
             <a:avLst/>
@@ -3147,13 +3177,17 @@
       </p:pic>
       <p:pic>
         <p:nvPicPr>
-          <p:cNvPr id="19" name="Picture 18"/>
+          <p:cNvPr id="30" name="Picture 29"/>
           <p:cNvPicPr>
             <a:picLocks noChangeAspect="1"/>
           </p:cNvPicPr>
-          <p:nvPr/>
+          <p:nvPr>
+            <p:custDataLst>
+              <p:tags r:id="rId7"/>
+            </p:custDataLst>
+          </p:nvPr>
         </p:nvPicPr>
-        <p:blipFill rotWithShape="1">
+        <p:blipFill>
           <a:blip r:embed="rId34">
             <a:extLst>
               <a:ext uri="{28A0092B-C50C-407E-A947-70E740481C1C}">
@@ -3161,13 +3195,14 @@
               </a:ext>
             </a:extLst>
           </a:blip>
-          <a:srcRect l="16353" t="8665" r="10314" b="22001"/>
-          <a:stretch/>
+          <a:stretch>
+            <a:fillRect/>
+          </a:stretch>
         </p:blipFill>
         <p:spPr>
           <a:xfrm>
-            <a:off x="8649481" y="937260"/>
-            <a:ext cx="1554480" cy="4754880"/>
+            <a:off x="12655755" y="839438"/>
+            <a:ext cx="887619" cy="255238"/>
           </a:xfrm>
           <a:prstGeom prst="rect">
             <a:avLst/>
@@ -3176,13 +3211,17 @@
       </p:pic>
       <p:pic>
         <p:nvPicPr>
-          <p:cNvPr id="20" name="Picture 19"/>
+          <p:cNvPr id="32" name="Picture 31"/>
           <p:cNvPicPr>
             <a:picLocks noChangeAspect="1"/>
           </p:cNvPicPr>
-          <p:nvPr/>
+          <p:nvPr>
+            <p:custDataLst>
+              <p:tags r:id="rId8"/>
+            </p:custDataLst>
+          </p:nvPr>
         </p:nvPicPr>
-        <p:blipFill rotWithShape="1">
+        <p:blipFill>
           <a:blip r:embed="rId35">
             <a:extLst>
               <a:ext uri="{28A0092B-C50C-407E-A947-70E740481C1C}">
@@ -3190,13 +3229,14 @@
               </a:ext>
             </a:extLst>
           </a:blip>
-          <a:srcRect l="16353" t="8666" r="10314" b="21999"/>
-          <a:stretch/>
+          <a:stretch>
+            <a:fillRect/>
+          </a:stretch>
         </p:blipFill>
         <p:spPr>
           <a:xfrm>
-            <a:off x="11941321" y="937260"/>
-            <a:ext cx="1554480" cy="4754880"/>
+            <a:off x="14302882" y="839438"/>
+            <a:ext cx="887619" cy="255238"/>
           </a:xfrm>
           <a:prstGeom prst="rect">
             <a:avLst/>
@@ -3205,13 +3245,13 @@
       </p:pic>
       <p:pic>
         <p:nvPicPr>
-          <p:cNvPr id="2" name="Picture 1"/>
+          <p:cNvPr id="35" name="Picture 34"/>
           <p:cNvPicPr>
             <a:picLocks noChangeAspect="1"/>
           </p:cNvPicPr>
           <p:nvPr>
             <p:custDataLst>
-              <p:tags r:id="rId1"/>
+              <p:tags r:id="rId9"/>
             </p:custDataLst>
           </p:nvPr>
         </p:nvPicPr>
@@ -3229,8 +3269,8 @@
         </p:blipFill>
         <p:spPr>
           <a:xfrm>
-            <a:off x="2298028" y="585470"/>
-            <a:ext cx="1081905" cy="255238"/>
+            <a:off x="15883847" y="839438"/>
+            <a:ext cx="1015238" cy="255238"/>
           </a:xfrm>
           <a:prstGeom prst="rect">
             <a:avLst/>
@@ -3239,13 +3279,13 @@
       </p:pic>
       <p:pic>
         <p:nvPicPr>
-          <p:cNvPr id="6" name="Picture 5"/>
+          <p:cNvPr id="27" name="Picture 26"/>
           <p:cNvPicPr>
             <a:picLocks noChangeAspect="1"/>
           </p:cNvPicPr>
           <p:nvPr>
             <p:custDataLst>
-              <p:tags r:id="rId2"/>
+              <p:tags r:id="rId10"/>
             </p:custDataLst>
           </p:nvPr>
         </p:nvPicPr>
@@ -3263,8 +3303,8 @@
         </p:blipFill>
         <p:spPr>
           <a:xfrm>
-            <a:off x="4045853" y="586317"/>
-            <a:ext cx="878095" cy="255238"/>
+            <a:off x="2142681" y="3474731"/>
+            <a:ext cx="108571" cy="175238"/>
           </a:xfrm>
           <a:prstGeom prst="rect">
             <a:avLst/>
@@ -3273,13 +3313,13 @@
       </p:pic>
       <p:pic>
         <p:nvPicPr>
-          <p:cNvPr id="7" name="Picture 6"/>
+          <p:cNvPr id="28" name="Picture 27"/>
           <p:cNvPicPr>
             <a:picLocks noChangeAspect="1"/>
           </p:cNvPicPr>
           <p:nvPr>
             <p:custDataLst>
-              <p:tags r:id="rId3"/>
+              <p:tags r:id="rId11"/>
             </p:custDataLst>
           </p:nvPr>
         </p:nvPicPr>
@@ -3297,8 +3337,8 @@
         </p:blipFill>
         <p:spPr>
           <a:xfrm>
-            <a:off x="5589868" y="585470"/>
-            <a:ext cx="1081905" cy="255238"/>
+            <a:off x="2121883" y="2286490"/>
+            <a:ext cx="154286" cy="173333"/>
           </a:xfrm>
           <a:prstGeom prst="rect">
             <a:avLst/>
@@ -3307,13 +3347,13 @@
       </p:pic>
       <p:pic>
         <p:nvPicPr>
-          <p:cNvPr id="8" name="Picture 7"/>
+          <p:cNvPr id="23" name="Picture 22"/>
           <p:cNvPicPr>
             <a:picLocks noChangeAspect="1"/>
           </p:cNvPicPr>
           <p:nvPr>
             <p:custDataLst>
-              <p:tags r:id="rId4"/>
+              <p:tags r:id="rId12"/>
             </p:custDataLst>
           </p:nvPr>
         </p:nvPicPr>
@@ -3331,8 +3371,8 @@
         </p:blipFill>
         <p:spPr>
           <a:xfrm>
-            <a:off x="7337689" y="591788"/>
-            <a:ext cx="885714" cy="255238"/>
+            <a:off x="1970550" y="4660993"/>
+            <a:ext cx="339048" cy="173333"/>
           </a:xfrm>
           <a:prstGeom prst="rect">
             <a:avLst/>
@@ -3341,13 +3381,13 @@
       </p:pic>
       <p:pic>
         <p:nvPicPr>
-          <p:cNvPr id="9" name="Picture 8"/>
+          <p:cNvPr id="24" name="Picture 23"/>
           <p:cNvPicPr>
             <a:picLocks noChangeAspect="1"/>
           </p:cNvPicPr>
           <p:nvPr>
             <p:custDataLst>
-              <p:tags r:id="rId5"/>
+              <p:tags r:id="rId13"/>
             </p:custDataLst>
           </p:nvPr>
         </p:nvPicPr>
@@ -3365,8 +3405,8 @@
         </p:blipFill>
         <p:spPr>
           <a:xfrm>
-            <a:off x="8982915" y="585470"/>
-            <a:ext cx="887619" cy="255238"/>
+            <a:off x="1837506" y="5845347"/>
+            <a:ext cx="464762" cy="173333"/>
           </a:xfrm>
           <a:prstGeom prst="rect">
             <a:avLst/>
@@ -3375,13 +3415,13 @@
       </p:pic>
       <p:pic>
         <p:nvPicPr>
-          <p:cNvPr id="10" name="Picture 9"/>
+          <p:cNvPr id="25" name="Picture 24"/>
           <p:cNvPicPr>
             <a:picLocks noChangeAspect="1"/>
           </p:cNvPicPr>
           <p:nvPr>
             <p:custDataLst>
-              <p:tags r:id="rId6"/>
+              <p:tags r:id="rId14"/>
             </p:custDataLst>
           </p:nvPr>
         </p:nvPicPr>
@@ -3399,308 +3439,7 @@
         </p:blipFill>
         <p:spPr>
           <a:xfrm>
-            <a:off x="10622866" y="580358"/>
-            <a:ext cx="891429" cy="255238"/>
-          </a:xfrm>
-          <a:prstGeom prst="rect">
-            <a:avLst/>
-          </a:prstGeom>
-        </p:spPr>
-      </p:pic>
-      <p:pic>
-        <p:nvPicPr>
-          <p:cNvPr id="30" name="Picture 29"/>
-          <p:cNvPicPr>
-            <a:picLocks noChangeAspect="1"/>
-          </p:cNvPicPr>
-          <p:nvPr>
-            <p:custDataLst>
-              <p:tags r:id="rId7"/>
-            </p:custDataLst>
-          </p:nvPr>
-        </p:nvPicPr>
-        <p:blipFill>
-          <a:blip r:embed="rId42">
-            <a:extLst>
-              <a:ext uri="{28A0092B-C50C-407E-A947-70E740481C1C}">
-                <a14:useLocalDpi xmlns:a14="http://schemas.microsoft.com/office/drawing/2010/main" val="0"/>
-              </a:ext>
-            </a:extLst>
-          </a:blip>
-          <a:stretch>
-            <a:fillRect/>
-          </a:stretch>
-        </p:blipFill>
-        <p:spPr>
-          <a:xfrm>
-            <a:off x="12274755" y="591788"/>
-            <a:ext cx="887619" cy="255238"/>
-          </a:xfrm>
-          <a:prstGeom prst="rect">
-            <a:avLst/>
-          </a:prstGeom>
-        </p:spPr>
-      </p:pic>
-      <p:pic>
-        <p:nvPicPr>
-          <p:cNvPr id="32" name="Picture 31"/>
-          <p:cNvPicPr>
-            <a:picLocks noChangeAspect="1"/>
-          </p:cNvPicPr>
-          <p:nvPr>
-            <p:custDataLst>
-              <p:tags r:id="rId8"/>
-            </p:custDataLst>
-          </p:nvPr>
-        </p:nvPicPr>
-        <p:blipFill>
-          <a:blip r:embed="rId43">
-            <a:extLst>
-              <a:ext uri="{28A0092B-C50C-407E-A947-70E740481C1C}">
-                <a14:useLocalDpi xmlns:a14="http://schemas.microsoft.com/office/drawing/2010/main" val="0"/>
-              </a:ext>
-            </a:extLst>
-          </a:blip>
-          <a:stretch>
-            <a:fillRect/>
-          </a:stretch>
-        </p:blipFill>
-        <p:spPr>
-          <a:xfrm>
-            <a:off x="13921882" y="591788"/>
-            <a:ext cx="887619" cy="255238"/>
-          </a:xfrm>
-          <a:prstGeom prst="rect">
-            <a:avLst/>
-          </a:prstGeom>
-        </p:spPr>
-      </p:pic>
-      <p:pic>
-        <p:nvPicPr>
-          <p:cNvPr id="33" name="Picture 32"/>
-          <p:cNvPicPr>
-            <a:picLocks noChangeAspect="1"/>
-          </p:cNvPicPr>
-          <p:nvPr/>
-        </p:nvPicPr>
-        <p:blipFill rotWithShape="1">
-          <a:blip r:embed="rId44">
-            <a:extLst>
-              <a:ext uri="{28A0092B-C50C-407E-A947-70E740481C1C}">
-                <a14:useLocalDpi xmlns:a14="http://schemas.microsoft.com/office/drawing/2010/main" val="0"/>
-              </a:ext>
-            </a:extLst>
-          </a:blip>
-          <a:srcRect l="16353" t="8534" r="10314" b="22134"/>
-          <a:stretch/>
-        </p:blipFill>
-        <p:spPr>
-          <a:xfrm>
-            <a:off x="15233226" y="937260"/>
-            <a:ext cx="1554480" cy="4754880"/>
-          </a:xfrm>
-          <a:prstGeom prst="rect">
-            <a:avLst/>
-          </a:prstGeom>
-        </p:spPr>
-      </p:pic>
-      <p:pic>
-        <p:nvPicPr>
-          <p:cNvPr id="35" name="Picture 34"/>
-          <p:cNvPicPr>
-            <a:picLocks noChangeAspect="1"/>
-          </p:cNvPicPr>
-          <p:nvPr>
-            <p:custDataLst>
-              <p:tags r:id="rId9"/>
-            </p:custDataLst>
-          </p:nvPr>
-        </p:nvPicPr>
-        <p:blipFill>
-          <a:blip r:embed="rId45">
-            <a:extLst>
-              <a:ext uri="{28A0092B-C50C-407E-A947-70E740481C1C}">
-                <a14:useLocalDpi xmlns:a14="http://schemas.microsoft.com/office/drawing/2010/main" val="0"/>
-              </a:ext>
-            </a:extLst>
-          </a:blip>
-          <a:stretch>
-            <a:fillRect/>
-          </a:stretch>
-        </p:blipFill>
-        <p:spPr>
-          <a:xfrm>
-            <a:off x="15502847" y="591788"/>
-            <a:ext cx="1015238" cy="255238"/>
-          </a:xfrm>
-          <a:prstGeom prst="rect">
-            <a:avLst/>
-          </a:prstGeom>
-        </p:spPr>
-      </p:pic>
-      <p:pic>
-        <p:nvPicPr>
-          <p:cNvPr id="27" name="Picture 26"/>
-          <p:cNvPicPr>
-            <a:picLocks noChangeAspect="1"/>
-          </p:cNvPicPr>
-          <p:nvPr>
-            <p:custDataLst>
-              <p:tags r:id="rId10"/>
-            </p:custDataLst>
-          </p:nvPr>
-        </p:nvPicPr>
-        <p:blipFill>
-          <a:blip r:embed="rId46">
-            <a:extLst>
-              <a:ext uri="{28A0092B-C50C-407E-A947-70E740481C1C}">
-                <a14:useLocalDpi xmlns:a14="http://schemas.microsoft.com/office/drawing/2010/main" val="0"/>
-              </a:ext>
-            </a:extLst>
-          </a:blip>
-          <a:stretch>
-            <a:fillRect/>
-          </a:stretch>
-        </p:blipFill>
-        <p:spPr>
-          <a:xfrm>
-            <a:off x="1761681" y="3227081"/>
-            <a:ext cx="108571" cy="175238"/>
-          </a:xfrm>
-          <a:prstGeom prst="rect">
-            <a:avLst/>
-          </a:prstGeom>
-        </p:spPr>
-      </p:pic>
-      <p:pic>
-        <p:nvPicPr>
-          <p:cNvPr id="28" name="Picture 27"/>
-          <p:cNvPicPr>
-            <a:picLocks noChangeAspect="1"/>
-          </p:cNvPicPr>
-          <p:nvPr>
-            <p:custDataLst>
-              <p:tags r:id="rId11"/>
-            </p:custDataLst>
-          </p:nvPr>
-        </p:nvPicPr>
-        <p:blipFill>
-          <a:blip r:embed="rId47">
-            <a:extLst>
-              <a:ext uri="{28A0092B-C50C-407E-A947-70E740481C1C}">
-                <a14:useLocalDpi xmlns:a14="http://schemas.microsoft.com/office/drawing/2010/main" val="0"/>
-              </a:ext>
-            </a:extLst>
-          </a:blip>
-          <a:stretch>
-            <a:fillRect/>
-          </a:stretch>
-        </p:blipFill>
-        <p:spPr>
-          <a:xfrm>
-            <a:off x="1740883" y="2038840"/>
-            <a:ext cx="154286" cy="173333"/>
-          </a:xfrm>
-          <a:prstGeom prst="rect">
-            <a:avLst/>
-          </a:prstGeom>
-        </p:spPr>
-      </p:pic>
-      <p:pic>
-        <p:nvPicPr>
-          <p:cNvPr id="23" name="Picture 22"/>
-          <p:cNvPicPr>
-            <a:picLocks noChangeAspect="1"/>
-          </p:cNvPicPr>
-          <p:nvPr>
-            <p:custDataLst>
-              <p:tags r:id="rId12"/>
-            </p:custDataLst>
-          </p:nvPr>
-        </p:nvPicPr>
-        <p:blipFill>
-          <a:blip r:embed="rId48">
-            <a:extLst>
-              <a:ext uri="{28A0092B-C50C-407E-A947-70E740481C1C}">
-                <a14:useLocalDpi xmlns:a14="http://schemas.microsoft.com/office/drawing/2010/main" val="0"/>
-              </a:ext>
-            </a:extLst>
-          </a:blip>
-          <a:stretch>
-            <a:fillRect/>
-          </a:stretch>
-        </p:blipFill>
-        <p:spPr>
-          <a:xfrm>
-            <a:off x="1589550" y="4413343"/>
-            <a:ext cx="339048" cy="173333"/>
-          </a:xfrm>
-          <a:prstGeom prst="rect">
-            <a:avLst/>
-          </a:prstGeom>
-        </p:spPr>
-      </p:pic>
-      <p:pic>
-        <p:nvPicPr>
-          <p:cNvPr id="24" name="Picture 23"/>
-          <p:cNvPicPr>
-            <a:picLocks noChangeAspect="1"/>
-          </p:cNvPicPr>
-          <p:nvPr>
-            <p:custDataLst>
-              <p:tags r:id="rId13"/>
-            </p:custDataLst>
-          </p:nvPr>
-        </p:nvPicPr>
-        <p:blipFill>
-          <a:blip r:embed="rId49">
-            <a:extLst>
-              <a:ext uri="{28A0092B-C50C-407E-A947-70E740481C1C}">
-                <a14:useLocalDpi xmlns:a14="http://schemas.microsoft.com/office/drawing/2010/main" val="0"/>
-              </a:ext>
-            </a:extLst>
-          </a:blip>
-          <a:stretch>
-            <a:fillRect/>
-          </a:stretch>
-        </p:blipFill>
-        <p:spPr>
-          <a:xfrm>
-            <a:off x="1456506" y="5597697"/>
-            <a:ext cx="464762" cy="173333"/>
-          </a:xfrm>
-          <a:prstGeom prst="rect">
-            <a:avLst/>
-          </a:prstGeom>
-        </p:spPr>
-      </p:pic>
-      <p:pic>
-        <p:nvPicPr>
-          <p:cNvPr id="25" name="Picture 24"/>
-          <p:cNvPicPr>
-            <a:picLocks noChangeAspect="1"/>
-          </p:cNvPicPr>
-          <p:nvPr>
-            <p:custDataLst>
-              <p:tags r:id="rId14"/>
-            </p:custDataLst>
-          </p:nvPr>
-        </p:nvPicPr>
-        <p:blipFill>
-          <a:blip r:embed="rId50">
-            <a:extLst>
-              <a:ext uri="{28A0092B-C50C-407E-A947-70E740481C1C}">
-                <a14:useLocalDpi xmlns:a14="http://schemas.microsoft.com/office/drawing/2010/main" val="0"/>
-              </a:ext>
-            </a:extLst>
-          </a:blip>
-          <a:stretch>
-            <a:fillRect/>
-          </a:stretch>
-        </p:blipFill>
-        <p:spPr>
-          <a:xfrm>
-            <a:off x="1617077" y="850596"/>
+            <a:off x="1998077" y="1098246"/>
             <a:ext cx="278095" cy="173333"/>
           </a:xfrm>
           <a:prstGeom prst="rect">
@@ -3716,7 +3455,7 @@
         </p:nvCxnSpPr>
         <p:spPr>
           <a:xfrm>
-            <a:off x="1979578" y="957137"/>
+            <a:off x="2360578" y="1204787"/>
             <a:ext cx="91440" cy="0"/>
           </a:xfrm>
           <a:prstGeom prst="line">
@@ -3747,7 +3486,7 @@
         </p:nvCxnSpPr>
         <p:spPr>
           <a:xfrm>
-            <a:off x="1972953" y="2113388"/>
+            <a:off x="2353953" y="2361038"/>
             <a:ext cx="91440" cy="0"/>
           </a:xfrm>
           <a:prstGeom prst="line">
@@ -3778,7 +3517,7 @@
         </p:nvCxnSpPr>
         <p:spPr>
           <a:xfrm>
-            <a:off x="1966329" y="3329278"/>
+            <a:off x="2347329" y="3576928"/>
             <a:ext cx="91440" cy="0"/>
           </a:xfrm>
           <a:prstGeom prst="line">
@@ -3809,7 +3548,7 @@
         </p:nvCxnSpPr>
         <p:spPr>
           <a:xfrm>
-            <a:off x="1969644" y="4505407"/>
+            <a:off x="2350644" y="4753057"/>
             <a:ext cx="91440" cy="0"/>
           </a:xfrm>
           <a:prstGeom prst="line">
@@ -3840,7 +3579,7 @@
         </p:nvCxnSpPr>
         <p:spPr>
           <a:xfrm>
-            <a:off x="1979583" y="5668282"/>
+            <a:off x="2360583" y="5915932"/>
             <a:ext cx="91440" cy="0"/>
           </a:xfrm>
           <a:prstGeom prst="line">
@@ -3863,238 +3602,6 @@
           </a:fontRef>
         </p:style>
       </p:cxnSp>
-      <p:pic>
-        <p:nvPicPr>
-          <p:cNvPr id="76" name="Picture 75"/>
-          <p:cNvPicPr>
-            <a:picLocks noChangeAspect="1"/>
-          </p:cNvPicPr>
-          <p:nvPr/>
-        </p:nvPicPr>
-        <p:blipFill rotWithShape="1">
-          <a:blip r:embed="rId28">
-            <a:extLst>
-              <a:ext uri="{28A0092B-C50C-407E-A947-70E740481C1C}">
-                <a14:useLocalDpi xmlns:a14="http://schemas.microsoft.com/office/drawing/2010/main" val="0"/>
-              </a:ext>
-            </a:extLst>
-          </a:blip>
-          <a:srcRect l="16353" t="8650" r="10314" b="22016"/>
-          <a:stretch/>
-        </p:blipFill>
-        <p:spPr>
-          <a:xfrm>
-            <a:off x="2061737" y="6127163"/>
-            <a:ext cx="1554480" cy="4754880"/>
-          </a:xfrm>
-          <a:prstGeom prst="rect">
-            <a:avLst/>
-          </a:prstGeom>
-        </p:spPr>
-      </p:pic>
-      <p:pic>
-        <p:nvPicPr>
-          <p:cNvPr id="77" name="Picture 76"/>
-          <p:cNvPicPr>
-            <a:picLocks noChangeAspect="1"/>
-          </p:cNvPicPr>
-          <p:nvPr/>
-        </p:nvPicPr>
-        <p:blipFill rotWithShape="1">
-          <a:blip r:embed="rId29">
-            <a:extLst>
-              <a:ext uri="{28A0092B-C50C-407E-A947-70E740481C1C}">
-                <a14:useLocalDpi xmlns:a14="http://schemas.microsoft.com/office/drawing/2010/main" val="0"/>
-              </a:ext>
-            </a:extLst>
-          </a:blip>
-          <a:srcRect l="16138" t="8588" r="10530" b="22079"/>
-          <a:stretch/>
-        </p:blipFill>
-        <p:spPr>
-          <a:xfrm>
-            <a:off x="13587241" y="6127163"/>
-            <a:ext cx="1554480" cy="4754880"/>
-          </a:xfrm>
-          <a:prstGeom prst="rect">
-            <a:avLst/>
-          </a:prstGeom>
-        </p:spPr>
-      </p:pic>
-      <p:pic>
-        <p:nvPicPr>
-          <p:cNvPr id="78" name="Picture 77"/>
-          <p:cNvPicPr>
-            <a:picLocks noChangeAspect="1"/>
-          </p:cNvPicPr>
-          <p:nvPr/>
-        </p:nvPicPr>
-        <p:blipFill rotWithShape="1">
-          <a:blip r:embed="rId30">
-            <a:extLst>
-              <a:ext uri="{28A0092B-C50C-407E-A947-70E740481C1C}">
-                <a14:useLocalDpi xmlns:a14="http://schemas.microsoft.com/office/drawing/2010/main" val="0"/>
-              </a:ext>
-            </a:extLst>
-          </a:blip>
-          <a:srcRect l="16353" t="8649" r="10314" b="22017"/>
-          <a:stretch/>
-        </p:blipFill>
-        <p:spPr>
-          <a:xfrm>
-            <a:off x="10291337" y="6127163"/>
-            <a:ext cx="1554480" cy="4754880"/>
-          </a:xfrm>
-          <a:prstGeom prst="rect">
-            <a:avLst/>
-          </a:prstGeom>
-        </p:spPr>
-      </p:pic>
-      <p:pic>
-        <p:nvPicPr>
-          <p:cNvPr id="79" name="Picture 78"/>
-          <p:cNvPicPr>
-            <a:picLocks noChangeAspect="1"/>
-          </p:cNvPicPr>
-          <p:nvPr/>
-        </p:nvPicPr>
-        <p:blipFill rotWithShape="1">
-          <a:blip r:embed="rId31">
-            <a:extLst>
-              <a:ext uri="{28A0092B-C50C-407E-A947-70E740481C1C}">
-                <a14:useLocalDpi xmlns:a14="http://schemas.microsoft.com/office/drawing/2010/main" val="0"/>
-              </a:ext>
-            </a:extLst>
-          </a:blip>
-          <a:srcRect l="16353" t="8651" r="10314" b="22015"/>
-          <a:stretch/>
-        </p:blipFill>
-        <p:spPr>
-          <a:xfrm>
-            <a:off x="6999497" y="6127163"/>
-            <a:ext cx="1554480" cy="4754880"/>
-          </a:xfrm>
-          <a:prstGeom prst="rect">
-            <a:avLst/>
-          </a:prstGeom>
-        </p:spPr>
-      </p:pic>
-      <p:pic>
-        <p:nvPicPr>
-          <p:cNvPr id="80" name="Picture 79"/>
-          <p:cNvPicPr>
-            <a:picLocks noChangeAspect="1"/>
-          </p:cNvPicPr>
-          <p:nvPr/>
-        </p:nvPicPr>
-        <p:blipFill rotWithShape="1">
-          <a:blip r:embed="rId32">
-            <a:extLst>
-              <a:ext uri="{28A0092B-C50C-407E-A947-70E740481C1C}">
-                <a14:useLocalDpi xmlns:a14="http://schemas.microsoft.com/office/drawing/2010/main" val="0"/>
-              </a:ext>
-            </a:extLst>
-          </a:blip>
-          <a:srcRect l="16353" t="8651" r="10314" b="22015"/>
-          <a:stretch/>
-        </p:blipFill>
-        <p:spPr>
-          <a:xfrm>
-            <a:off x="5353577" y="6127163"/>
-            <a:ext cx="1554480" cy="4754880"/>
-          </a:xfrm>
-          <a:prstGeom prst="rect">
-            <a:avLst/>
-          </a:prstGeom>
-        </p:spPr>
-      </p:pic>
-      <p:pic>
-        <p:nvPicPr>
-          <p:cNvPr id="81" name="Picture 80"/>
-          <p:cNvPicPr>
-            <a:picLocks noChangeAspect="1"/>
-          </p:cNvPicPr>
-          <p:nvPr/>
-        </p:nvPicPr>
-        <p:blipFill rotWithShape="1">
-          <a:blip r:embed="rId33">
-            <a:extLst>
-              <a:ext uri="{28A0092B-C50C-407E-A947-70E740481C1C}">
-                <a14:useLocalDpi xmlns:a14="http://schemas.microsoft.com/office/drawing/2010/main" val="0"/>
-              </a:ext>
-            </a:extLst>
-          </a:blip>
-          <a:srcRect l="16353" t="8650" r="10314" b="22016"/>
-          <a:stretch/>
-        </p:blipFill>
-        <p:spPr>
-          <a:xfrm>
-            <a:off x="3707657" y="6127163"/>
-            <a:ext cx="1554480" cy="4754880"/>
-          </a:xfrm>
-          <a:prstGeom prst="rect">
-            <a:avLst/>
-          </a:prstGeom>
-        </p:spPr>
-      </p:pic>
-      <p:pic>
-        <p:nvPicPr>
-          <p:cNvPr id="82" name="Picture 81"/>
-          <p:cNvPicPr>
-            <a:picLocks noChangeAspect="1"/>
-          </p:cNvPicPr>
-          <p:nvPr/>
-        </p:nvPicPr>
-        <p:blipFill rotWithShape="1">
-          <a:blip r:embed="rId34">
-            <a:extLst>
-              <a:ext uri="{28A0092B-C50C-407E-A947-70E740481C1C}">
-                <a14:useLocalDpi xmlns:a14="http://schemas.microsoft.com/office/drawing/2010/main" val="0"/>
-              </a:ext>
-            </a:extLst>
-          </a:blip>
-          <a:srcRect l="16353" t="8665" r="10314" b="22001"/>
-          <a:stretch/>
-        </p:blipFill>
-        <p:spPr>
-          <a:xfrm>
-            <a:off x="8649481" y="6127163"/>
-            <a:ext cx="1554480" cy="4754880"/>
-          </a:xfrm>
-          <a:prstGeom prst="rect">
-            <a:avLst/>
-          </a:prstGeom>
-        </p:spPr>
-      </p:pic>
-      <p:pic>
-        <p:nvPicPr>
-          <p:cNvPr id="83" name="Picture 82"/>
-          <p:cNvPicPr>
-            <a:picLocks noChangeAspect="1"/>
-          </p:cNvPicPr>
-          <p:nvPr/>
-        </p:nvPicPr>
-        <p:blipFill rotWithShape="1">
-          <a:blip r:embed="rId35">
-            <a:extLst>
-              <a:ext uri="{28A0092B-C50C-407E-A947-70E740481C1C}">
-                <a14:useLocalDpi xmlns:a14="http://schemas.microsoft.com/office/drawing/2010/main" val="0"/>
-              </a:ext>
-            </a:extLst>
-          </a:blip>
-          <a:srcRect l="16353" t="8666" r="10314" b="21999"/>
-          <a:stretch/>
-        </p:blipFill>
-        <p:spPr>
-          <a:xfrm>
-            <a:off x="11941321" y="6127163"/>
-            <a:ext cx="1554480" cy="4754880"/>
-          </a:xfrm>
-          <a:prstGeom prst="rect">
-            <a:avLst/>
-          </a:prstGeom>
-        </p:spPr>
-      </p:pic>
       <p:cxnSp>
         <p:nvCxnSpPr>
           <p:cNvPr id="85" name="Straight Arrow Connector 84"/>
@@ -4103,7 +3610,7 @@
         </p:nvCxnSpPr>
         <p:spPr>
           <a:xfrm flipV="1">
-            <a:off x="2065866" y="11058699"/>
+            <a:off x="2446866" y="11306349"/>
             <a:ext cx="1554480" cy="0"/>
           </a:xfrm>
           <a:prstGeom prst="straightConnector1">
@@ -4142,7 +3649,7 @@
           </p:nvPr>
         </p:nvPicPr>
         <p:blipFill>
-          <a:blip r:embed="rId47">
+          <a:blip r:embed="rId38">
             <a:extLst>
               <a:ext uri="{28A0092B-C50C-407E-A947-70E740481C1C}">
                 <a14:useLocalDpi xmlns:a14="http://schemas.microsoft.com/office/drawing/2010/main" val="0"/>
@@ -4155,7 +3662,7 @@
         </p:blipFill>
         <p:spPr>
           <a:xfrm>
-            <a:off x="2761833" y="11165839"/>
+            <a:off x="3142833" y="11413489"/>
             <a:ext cx="154286" cy="173333"/>
           </a:xfrm>
           <a:prstGeom prst="rect">
@@ -4172,11 +3679,11 @@
           <p:nvPr/>
         </p:nvPicPr>
         <p:blipFill rotWithShape="1">
-          <a:blip r:embed="rId51">
+          <a:blip r:embed="rId42">
             <a:extLst>
               <a:ext uri="{BEBA8EAE-BF5A-486C-A8C5-ECC9F3942E4B}">
                 <a14:imgProps xmlns:a14="http://schemas.microsoft.com/office/drawing/2010/main">
-                  <a14:imgLayer r:embed="rId52">
+                  <a14:imgLayer r:embed="rId43">
                     <a14:imgEffect>
                       <a14:backgroundRemoval t="75268" b="88704" l="13777" r="94062"/>
                     </a14:imgEffect>
@@ -4193,7 +3700,7 @@
         </p:blipFill>
         <p:spPr>
           <a:xfrm>
-            <a:off x="13411200" y="10902055"/>
+            <a:off x="13792200" y="11149705"/>
             <a:ext cx="3581400" cy="647701"/>
           </a:xfrm>
           <a:prstGeom prst="rect">
@@ -4214,7 +3721,7 @@
           </p:nvPr>
         </p:nvPicPr>
         <p:blipFill>
-          <a:blip r:embed="rId53">
+          <a:blip r:embed="rId44">
             <a:extLst>
               <a:ext uri="{28A0092B-C50C-407E-A947-70E740481C1C}">
                 <a14:useLocalDpi xmlns:a14="http://schemas.microsoft.com/office/drawing/2010/main" val="0"/>
@@ -4227,7 +3734,7 @@
         </p:blipFill>
         <p:spPr>
           <a:xfrm>
-            <a:off x="11717232" y="11014404"/>
+            <a:off x="12098232" y="11262054"/>
             <a:ext cx="1721905" cy="622857"/>
           </a:xfrm>
           <a:prstGeom prst="rect">
@@ -4244,6 +3751,74 @@
           <p:nvPr>
             <p:custDataLst>
               <p:tags r:id="rId17"/>
+            </p:custDataLst>
+          </p:nvPr>
+        </p:nvPicPr>
+        <p:blipFill>
+          <a:blip r:embed="rId37">
+            <a:extLst>
+              <a:ext uri="{28A0092B-C50C-407E-A947-70E740481C1C}">
+                <a14:useLocalDpi xmlns:a14="http://schemas.microsoft.com/office/drawing/2010/main" val="0"/>
+              </a:ext>
+            </a:extLst>
+          </a:blip>
+          <a:stretch>
+            <a:fillRect/>
+          </a:stretch>
+        </p:blipFill>
+        <p:spPr>
+          <a:xfrm>
+            <a:off x="13906339" y="11485859"/>
+            <a:ext cx="108571" cy="175238"/>
+          </a:xfrm>
+          <a:prstGeom prst="rect">
+            <a:avLst/>
+          </a:prstGeom>
+        </p:spPr>
+      </p:pic>
+      <p:pic>
+        <p:nvPicPr>
+          <p:cNvPr id="90" name="Picture 89"/>
+          <p:cNvPicPr>
+            <a:picLocks noChangeAspect="1"/>
+          </p:cNvPicPr>
+          <p:nvPr>
+            <p:custDataLst>
+              <p:tags r:id="rId18"/>
+            </p:custDataLst>
+          </p:nvPr>
+        </p:nvPicPr>
+        <p:blipFill>
+          <a:blip r:embed="rId45">
+            <a:extLst>
+              <a:ext uri="{28A0092B-C50C-407E-A947-70E740481C1C}">
+                <a14:useLocalDpi xmlns:a14="http://schemas.microsoft.com/office/drawing/2010/main" val="0"/>
+              </a:ext>
+            </a:extLst>
+          </a:blip>
+          <a:stretch>
+            <a:fillRect/>
+          </a:stretch>
+        </p:blipFill>
+        <p:spPr>
+          <a:xfrm>
+            <a:off x="17010545" y="11485859"/>
+            <a:ext cx="300952" cy="175238"/>
+          </a:xfrm>
+          <a:prstGeom prst="rect">
+            <a:avLst/>
+          </a:prstGeom>
+        </p:spPr>
+      </p:pic>
+      <p:pic>
+        <p:nvPicPr>
+          <p:cNvPr id="91" name="Picture 90"/>
+          <p:cNvPicPr>
+            <a:picLocks noChangeAspect="1"/>
+          </p:cNvPicPr>
+          <p:nvPr>
+            <p:custDataLst>
+              <p:tags r:id="rId19"/>
             </p:custDataLst>
           </p:nvPr>
         </p:nvPicPr>
@@ -4261,8 +3836,8 @@
         </p:blipFill>
         <p:spPr>
           <a:xfrm>
-            <a:off x="13525339" y="11238209"/>
-            <a:ext cx="108571" cy="175238"/>
+            <a:off x="15329557" y="11497293"/>
+            <a:ext cx="426667" cy="177143"/>
           </a:xfrm>
           <a:prstGeom prst="rect">
             <a:avLst/>
@@ -4271,18 +3846,18 @@
       </p:pic>
       <p:pic>
         <p:nvPicPr>
-          <p:cNvPr id="90" name="Picture 89"/>
+          <p:cNvPr id="101" name="Picture 100"/>
           <p:cNvPicPr>
             <a:picLocks noChangeAspect="1"/>
           </p:cNvPicPr>
           <p:nvPr>
             <p:custDataLst>
-              <p:tags r:id="rId18"/>
+              <p:tags r:id="rId20"/>
             </p:custDataLst>
           </p:nvPr>
         </p:nvPicPr>
         <p:blipFill>
-          <a:blip r:embed="rId54">
+          <a:blip r:embed="rId37">
             <a:extLst>
               <a:ext uri="{28A0092B-C50C-407E-A947-70E740481C1C}">
                 <a14:useLocalDpi xmlns:a14="http://schemas.microsoft.com/office/drawing/2010/main" val="0"/>
@@ -4295,8 +3870,8 @@
         </p:blipFill>
         <p:spPr>
           <a:xfrm>
-            <a:off x="16629545" y="11238209"/>
-            <a:ext cx="300952" cy="175238"/>
+            <a:off x="2142681" y="8664634"/>
+            <a:ext cx="108571" cy="175238"/>
           </a:xfrm>
           <a:prstGeom prst="rect">
             <a:avLst/>
@@ -4305,18 +3880,18 @@
       </p:pic>
       <p:pic>
         <p:nvPicPr>
-          <p:cNvPr id="91" name="Picture 90"/>
+          <p:cNvPr id="102" name="Picture 101"/>
           <p:cNvPicPr>
             <a:picLocks noChangeAspect="1"/>
           </p:cNvPicPr>
           <p:nvPr>
             <p:custDataLst>
-              <p:tags r:id="rId19"/>
+              <p:tags r:id="rId21"/>
             </p:custDataLst>
           </p:nvPr>
         </p:nvPicPr>
         <p:blipFill>
-          <a:blip r:embed="rId55">
+          <a:blip r:embed="rId38">
             <a:extLst>
               <a:ext uri="{28A0092B-C50C-407E-A947-70E740481C1C}">
                 <a14:useLocalDpi xmlns:a14="http://schemas.microsoft.com/office/drawing/2010/main" val="0"/>
@@ -4329,8 +3904,8 @@
         </p:blipFill>
         <p:spPr>
           <a:xfrm>
-            <a:off x="14948557" y="11249643"/>
-            <a:ext cx="426667" cy="177143"/>
+            <a:off x="2121883" y="7476393"/>
+            <a:ext cx="154286" cy="173333"/>
           </a:xfrm>
           <a:prstGeom prst="rect">
             <a:avLst/>
@@ -4339,47 +3914,18 @@
       </p:pic>
       <p:pic>
         <p:nvPicPr>
-          <p:cNvPr id="99" name="Picture 98"/>
+          <p:cNvPr id="103" name="Picture 102"/>
           <p:cNvPicPr>
             <a:picLocks noChangeAspect="1"/>
           </p:cNvPicPr>
-          <p:nvPr/>
-        </p:nvPicPr>
-        <p:blipFill rotWithShape="1">
-          <a:blip r:embed="rId44">
-            <a:extLst>
-              <a:ext uri="{28A0092B-C50C-407E-A947-70E740481C1C}">
-                <a14:useLocalDpi xmlns:a14="http://schemas.microsoft.com/office/drawing/2010/main" val="0"/>
-              </a:ext>
-            </a:extLst>
-          </a:blip>
-          <a:srcRect l="16353" t="8534" r="10314" b="22134"/>
-          <a:stretch/>
-        </p:blipFill>
-        <p:spPr>
-          <a:xfrm>
-            <a:off x="15233226" y="6127163"/>
-            <a:ext cx="1554480" cy="4754880"/>
-          </a:xfrm>
-          <a:prstGeom prst="rect">
-            <a:avLst/>
-          </a:prstGeom>
-        </p:spPr>
-      </p:pic>
-      <p:pic>
-        <p:nvPicPr>
-          <p:cNvPr id="101" name="Picture 100"/>
-          <p:cNvPicPr>
-            <a:picLocks noChangeAspect="1"/>
-          </p:cNvPicPr>
           <p:nvPr>
             <p:custDataLst>
-              <p:tags r:id="rId20"/>
+              <p:tags r:id="rId22"/>
             </p:custDataLst>
           </p:nvPr>
         </p:nvPicPr>
         <p:blipFill>
-          <a:blip r:embed="rId46">
+          <a:blip r:embed="rId39">
             <a:extLst>
               <a:ext uri="{28A0092B-C50C-407E-A947-70E740481C1C}">
                 <a14:useLocalDpi xmlns:a14="http://schemas.microsoft.com/office/drawing/2010/main" val="0"/>
@@ -4392,8 +3938,8 @@
         </p:blipFill>
         <p:spPr>
           <a:xfrm>
-            <a:off x="1761681" y="8416984"/>
-            <a:ext cx="108571" cy="175238"/>
+            <a:off x="1970550" y="9850896"/>
+            <a:ext cx="339048" cy="173333"/>
           </a:xfrm>
           <a:prstGeom prst="rect">
             <a:avLst/>
@@ -4402,18 +3948,18 @@
       </p:pic>
       <p:pic>
         <p:nvPicPr>
-          <p:cNvPr id="102" name="Picture 101"/>
+          <p:cNvPr id="104" name="Picture 103"/>
           <p:cNvPicPr>
             <a:picLocks noChangeAspect="1"/>
           </p:cNvPicPr>
           <p:nvPr>
             <p:custDataLst>
-              <p:tags r:id="rId21"/>
+              <p:tags r:id="rId23"/>
             </p:custDataLst>
           </p:nvPr>
         </p:nvPicPr>
         <p:blipFill>
-          <a:blip r:embed="rId47">
+          <a:blip r:embed="rId40">
             <a:extLst>
               <a:ext uri="{28A0092B-C50C-407E-A947-70E740481C1C}">
                 <a14:useLocalDpi xmlns:a14="http://schemas.microsoft.com/office/drawing/2010/main" val="0"/>
@@ -4426,8 +3972,8 @@
         </p:blipFill>
         <p:spPr>
           <a:xfrm>
-            <a:off x="1740883" y="7228743"/>
-            <a:ext cx="154286" cy="173333"/>
+            <a:off x="1837506" y="11035250"/>
+            <a:ext cx="464762" cy="173333"/>
           </a:xfrm>
           <a:prstGeom prst="rect">
             <a:avLst/>
@@ -4436,18 +3982,18 @@
       </p:pic>
       <p:pic>
         <p:nvPicPr>
-          <p:cNvPr id="103" name="Picture 102"/>
+          <p:cNvPr id="105" name="Picture 104"/>
           <p:cNvPicPr>
             <a:picLocks noChangeAspect="1"/>
           </p:cNvPicPr>
           <p:nvPr>
             <p:custDataLst>
-              <p:tags r:id="rId22"/>
+              <p:tags r:id="rId24"/>
             </p:custDataLst>
           </p:nvPr>
         </p:nvPicPr>
         <p:blipFill>
-          <a:blip r:embed="rId48">
+          <a:blip r:embed="rId41">
             <a:extLst>
               <a:ext uri="{28A0092B-C50C-407E-A947-70E740481C1C}">
                 <a14:useLocalDpi xmlns:a14="http://schemas.microsoft.com/office/drawing/2010/main" val="0"/>
@@ -4460,75 +4006,7 @@
         </p:blipFill>
         <p:spPr>
           <a:xfrm>
-            <a:off x="1589550" y="9603246"/>
-            <a:ext cx="339048" cy="173333"/>
-          </a:xfrm>
-          <a:prstGeom prst="rect">
-            <a:avLst/>
-          </a:prstGeom>
-        </p:spPr>
-      </p:pic>
-      <p:pic>
-        <p:nvPicPr>
-          <p:cNvPr id="104" name="Picture 103"/>
-          <p:cNvPicPr>
-            <a:picLocks noChangeAspect="1"/>
-          </p:cNvPicPr>
-          <p:nvPr>
-            <p:custDataLst>
-              <p:tags r:id="rId23"/>
-            </p:custDataLst>
-          </p:nvPr>
-        </p:nvPicPr>
-        <p:blipFill>
-          <a:blip r:embed="rId49">
-            <a:extLst>
-              <a:ext uri="{28A0092B-C50C-407E-A947-70E740481C1C}">
-                <a14:useLocalDpi xmlns:a14="http://schemas.microsoft.com/office/drawing/2010/main" val="0"/>
-              </a:ext>
-            </a:extLst>
-          </a:blip>
-          <a:stretch>
-            <a:fillRect/>
-          </a:stretch>
-        </p:blipFill>
-        <p:spPr>
-          <a:xfrm>
-            <a:off x="1456506" y="10787600"/>
-            <a:ext cx="464762" cy="173333"/>
-          </a:xfrm>
-          <a:prstGeom prst="rect">
-            <a:avLst/>
-          </a:prstGeom>
-        </p:spPr>
-      </p:pic>
-      <p:pic>
-        <p:nvPicPr>
-          <p:cNvPr id="105" name="Picture 104"/>
-          <p:cNvPicPr>
-            <a:picLocks noChangeAspect="1"/>
-          </p:cNvPicPr>
-          <p:nvPr>
-            <p:custDataLst>
-              <p:tags r:id="rId24"/>
-            </p:custDataLst>
-          </p:nvPr>
-        </p:nvPicPr>
-        <p:blipFill>
-          <a:blip r:embed="rId50">
-            <a:extLst>
-              <a:ext uri="{28A0092B-C50C-407E-A947-70E740481C1C}">
-                <a14:useLocalDpi xmlns:a14="http://schemas.microsoft.com/office/drawing/2010/main" val="0"/>
-              </a:ext>
-            </a:extLst>
-          </a:blip>
-          <a:stretch>
-            <a:fillRect/>
-          </a:stretch>
-        </p:blipFill>
-        <p:spPr>
-          <a:xfrm>
-            <a:off x="1617077" y="6040499"/>
+            <a:off x="1998077" y="6288149"/>
             <a:ext cx="278095" cy="173333"/>
           </a:xfrm>
           <a:prstGeom prst="rect">
@@ -4544,7 +4022,7 @@
         </p:nvCxnSpPr>
         <p:spPr>
           <a:xfrm>
-            <a:off x="1979578" y="6147040"/>
+            <a:off x="2360578" y="6394690"/>
             <a:ext cx="91440" cy="0"/>
           </a:xfrm>
           <a:prstGeom prst="line">
@@ -4575,7 +4053,7 @@
         </p:nvCxnSpPr>
         <p:spPr>
           <a:xfrm>
-            <a:off x="1972953" y="7303291"/>
+            <a:off x="2353953" y="7550941"/>
             <a:ext cx="91440" cy="0"/>
           </a:xfrm>
           <a:prstGeom prst="line">
@@ -4606,7 +4084,7 @@
         </p:nvCxnSpPr>
         <p:spPr>
           <a:xfrm>
-            <a:off x="1966329" y="8519181"/>
+            <a:off x="2347329" y="8766831"/>
             <a:ext cx="91440" cy="0"/>
           </a:xfrm>
           <a:prstGeom prst="line">
@@ -4637,7 +4115,7 @@
         </p:nvCxnSpPr>
         <p:spPr>
           <a:xfrm>
-            <a:off x="1969644" y="9695310"/>
+            <a:off x="2350644" y="9942960"/>
             <a:ext cx="91440" cy="0"/>
           </a:xfrm>
           <a:prstGeom prst="line">
@@ -4668,7 +4146,7 @@
         </p:nvCxnSpPr>
         <p:spPr>
           <a:xfrm>
-            <a:off x="1979583" y="10858185"/>
+            <a:off x="2360583" y="11105835"/>
             <a:ext cx="91440" cy="0"/>
           </a:xfrm>
           <a:prstGeom prst="line">
@@ -4704,7 +4182,7 @@
           </p:nvPr>
         </p:nvPicPr>
         <p:blipFill>
-          <a:blip r:embed="rId56">
+          <a:blip r:embed="rId47">
             <a:extLst>
               <a:ext uri="{28A0092B-C50C-407E-A947-70E740481C1C}">
                 <a14:useLocalDpi xmlns:a14="http://schemas.microsoft.com/office/drawing/2010/main" val="0"/>
@@ -4717,7 +4195,7 @@
         </p:blipFill>
         <p:spPr>
           <a:xfrm>
-            <a:off x="-269926" y="8327753"/>
+            <a:off x="111074" y="8575403"/>
             <a:ext cx="1645714" cy="382857"/>
           </a:xfrm>
           <a:prstGeom prst="rect">
@@ -4738,7 +4216,7 @@
           </p:nvPr>
         </p:nvPicPr>
         <p:blipFill>
-          <a:blip r:embed="rId57">
+          <a:blip r:embed="rId48">
             <a:extLst>
               <a:ext uri="{28A0092B-C50C-407E-A947-70E740481C1C}">
                 <a14:useLocalDpi xmlns:a14="http://schemas.microsoft.com/office/drawing/2010/main" val="0"/>
@@ -4751,8 +4229,530 @@
         </p:blipFill>
         <p:spPr>
           <a:xfrm>
-            <a:off x="-269926" y="3152135"/>
+            <a:off x="111074" y="3399785"/>
             <a:ext cx="1231429" cy="354286"/>
+          </a:xfrm>
+          <a:prstGeom prst="rect">
+            <a:avLst/>
+          </a:prstGeom>
+        </p:spPr>
+      </p:pic>
+      <p:pic>
+        <p:nvPicPr>
+          <p:cNvPr id="130" name="Picture 129"/>
+          <p:cNvPicPr>
+            <a:picLocks noChangeAspect="1"/>
+          </p:cNvPicPr>
+          <p:nvPr/>
+        </p:nvPicPr>
+        <p:blipFill rotWithShape="1">
+          <a:blip r:embed="rId49">
+            <a:extLst>
+              <a:ext uri="{28A0092B-C50C-407E-A947-70E740481C1C}">
+                <a14:useLocalDpi xmlns:a14="http://schemas.microsoft.com/office/drawing/2010/main" val="0"/>
+              </a:ext>
+            </a:extLst>
+          </a:blip>
+          <a:srcRect l="27057" t="19997" r="22939" b="32726"/>
+          <a:stretch/>
+        </p:blipFill>
+        <p:spPr>
+          <a:xfrm>
+            <a:off x="2450592" y="6373368"/>
+            <a:ext cx="1554480" cy="4754880"/>
+          </a:xfrm>
+          <a:prstGeom prst="rect">
+            <a:avLst/>
+          </a:prstGeom>
+        </p:spPr>
+      </p:pic>
+      <p:pic>
+        <p:nvPicPr>
+          <p:cNvPr id="131" name="Picture 130"/>
+          <p:cNvPicPr>
+            <a:picLocks noChangeAspect="1"/>
+          </p:cNvPicPr>
+          <p:nvPr/>
+        </p:nvPicPr>
+        <p:blipFill rotWithShape="1">
+          <a:blip r:embed="rId50">
+            <a:extLst>
+              <a:ext uri="{28A0092B-C50C-407E-A947-70E740481C1C}">
+                <a14:useLocalDpi xmlns:a14="http://schemas.microsoft.com/office/drawing/2010/main" val="0"/>
+              </a:ext>
+            </a:extLst>
+          </a:blip>
+          <a:srcRect l="27057" t="19997" r="22939" b="32726"/>
+          <a:stretch/>
+        </p:blipFill>
+        <p:spPr>
+          <a:xfrm>
+            <a:off x="4096512" y="6373368"/>
+            <a:ext cx="1554480" cy="4754880"/>
+          </a:xfrm>
+          <a:prstGeom prst="rect">
+            <a:avLst/>
+          </a:prstGeom>
+        </p:spPr>
+      </p:pic>
+      <p:pic>
+        <p:nvPicPr>
+          <p:cNvPr id="132" name="Picture 131"/>
+          <p:cNvPicPr>
+            <a:picLocks noChangeAspect="1"/>
+          </p:cNvPicPr>
+          <p:nvPr/>
+        </p:nvPicPr>
+        <p:blipFill rotWithShape="1">
+          <a:blip r:embed="rId51">
+            <a:extLst>
+              <a:ext uri="{28A0092B-C50C-407E-A947-70E740481C1C}">
+                <a14:useLocalDpi xmlns:a14="http://schemas.microsoft.com/office/drawing/2010/main" val="0"/>
+              </a:ext>
+            </a:extLst>
+          </a:blip>
+          <a:srcRect l="27057" t="19997" r="22939" b="32726"/>
+          <a:stretch/>
+        </p:blipFill>
+        <p:spPr>
+          <a:xfrm>
+            <a:off x="5742432" y="6373368"/>
+            <a:ext cx="1554480" cy="4754880"/>
+          </a:xfrm>
+          <a:prstGeom prst="rect">
+            <a:avLst/>
+          </a:prstGeom>
+        </p:spPr>
+      </p:pic>
+      <p:pic>
+        <p:nvPicPr>
+          <p:cNvPr id="133" name="Picture 132"/>
+          <p:cNvPicPr>
+            <a:picLocks noChangeAspect="1"/>
+          </p:cNvPicPr>
+          <p:nvPr/>
+        </p:nvPicPr>
+        <p:blipFill rotWithShape="1">
+          <a:blip r:embed="rId52">
+            <a:extLst>
+              <a:ext uri="{28A0092B-C50C-407E-A947-70E740481C1C}">
+                <a14:useLocalDpi xmlns:a14="http://schemas.microsoft.com/office/drawing/2010/main" val="0"/>
+              </a:ext>
+            </a:extLst>
+          </a:blip>
+          <a:srcRect l="27057" t="19997" r="22939" b="32726"/>
+          <a:stretch/>
+        </p:blipFill>
+        <p:spPr>
+          <a:xfrm>
+            <a:off x="7388352" y="6373368"/>
+            <a:ext cx="1554480" cy="4754880"/>
+          </a:xfrm>
+          <a:prstGeom prst="rect">
+            <a:avLst/>
+          </a:prstGeom>
+        </p:spPr>
+      </p:pic>
+      <p:pic>
+        <p:nvPicPr>
+          <p:cNvPr id="135" name="Picture 134"/>
+          <p:cNvPicPr>
+            <a:picLocks noChangeAspect="1"/>
+          </p:cNvPicPr>
+          <p:nvPr/>
+        </p:nvPicPr>
+        <p:blipFill rotWithShape="1">
+          <a:blip r:embed="rId53">
+            <a:extLst>
+              <a:ext uri="{28A0092B-C50C-407E-A947-70E740481C1C}">
+                <a14:useLocalDpi xmlns:a14="http://schemas.microsoft.com/office/drawing/2010/main" val="0"/>
+              </a:ext>
+            </a:extLst>
+          </a:blip>
+          <a:srcRect l="27057" t="19997" r="22939" b="32726"/>
+          <a:stretch/>
+        </p:blipFill>
+        <p:spPr>
+          <a:xfrm>
+            <a:off x="9034272" y="6373368"/>
+            <a:ext cx="1554480" cy="4754880"/>
+          </a:xfrm>
+          <a:prstGeom prst="rect">
+            <a:avLst/>
+          </a:prstGeom>
+        </p:spPr>
+      </p:pic>
+      <p:pic>
+        <p:nvPicPr>
+          <p:cNvPr id="136" name="Picture 135"/>
+          <p:cNvPicPr>
+            <a:picLocks noChangeAspect="1"/>
+          </p:cNvPicPr>
+          <p:nvPr/>
+        </p:nvPicPr>
+        <p:blipFill rotWithShape="1">
+          <a:blip r:embed="rId54">
+            <a:extLst>
+              <a:ext uri="{28A0092B-C50C-407E-A947-70E740481C1C}">
+                <a14:useLocalDpi xmlns:a14="http://schemas.microsoft.com/office/drawing/2010/main" val="0"/>
+              </a:ext>
+            </a:extLst>
+          </a:blip>
+          <a:srcRect l="27057" t="19997" r="22939" b="32726"/>
+          <a:stretch/>
+        </p:blipFill>
+        <p:spPr>
+          <a:xfrm>
+            <a:off x="10671048" y="6373368"/>
+            <a:ext cx="1554480" cy="4754880"/>
+          </a:xfrm>
+          <a:prstGeom prst="rect">
+            <a:avLst/>
+          </a:prstGeom>
+        </p:spPr>
+      </p:pic>
+      <p:pic>
+        <p:nvPicPr>
+          <p:cNvPr id="137" name="Picture 136"/>
+          <p:cNvPicPr>
+            <a:picLocks noChangeAspect="1"/>
+          </p:cNvPicPr>
+          <p:nvPr/>
+        </p:nvPicPr>
+        <p:blipFill rotWithShape="1">
+          <a:blip r:embed="rId55">
+            <a:extLst>
+              <a:ext uri="{28A0092B-C50C-407E-A947-70E740481C1C}">
+                <a14:useLocalDpi xmlns:a14="http://schemas.microsoft.com/office/drawing/2010/main" val="0"/>
+              </a:ext>
+            </a:extLst>
+          </a:blip>
+          <a:srcRect l="27057" t="19997" r="22939" b="32726"/>
+          <a:stretch/>
+        </p:blipFill>
+        <p:spPr>
+          <a:xfrm>
+            <a:off x="12326112" y="6373368"/>
+            <a:ext cx="1554480" cy="4754880"/>
+          </a:xfrm>
+          <a:prstGeom prst="rect">
+            <a:avLst/>
+          </a:prstGeom>
+        </p:spPr>
+      </p:pic>
+      <p:pic>
+        <p:nvPicPr>
+          <p:cNvPr id="140" name="Picture 139"/>
+          <p:cNvPicPr>
+            <a:picLocks noChangeAspect="1"/>
+          </p:cNvPicPr>
+          <p:nvPr/>
+        </p:nvPicPr>
+        <p:blipFill rotWithShape="1">
+          <a:blip r:embed="rId56">
+            <a:extLst>
+              <a:ext uri="{28A0092B-C50C-407E-A947-70E740481C1C}">
+                <a14:useLocalDpi xmlns:a14="http://schemas.microsoft.com/office/drawing/2010/main" val="0"/>
+              </a:ext>
+            </a:extLst>
+          </a:blip>
+          <a:srcRect l="27057" t="19997" r="22939" b="32726"/>
+          <a:stretch/>
+        </p:blipFill>
+        <p:spPr>
+          <a:xfrm>
+            <a:off x="2450592" y="1188720"/>
+            <a:ext cx="1554480" cy="4754880"/>
+          </a:xfrm>
+          <a:prstGeom prst="rect">
+            <a:avLst/>
+          </a:prstGeom>
+        </p:spPr>
+      </p:pic>
+      <p:pic>
+        <p:nvPicPr>
+          <p:cNvPr id="141" name="Picture 140"/>
+          <p:cNvPicPr>
+            <a:picLocks noChangeAspect="1"/>
+          </p:cNvPicPr>
+          <p:nvPr/>
+        </p:nvPicPr>
+        <p:blipFill rotWithShape="1">
+          <a:blip r:embed="rId57">
+            <a:extLst>
+              <a:ext uri="{28A0092B-C50C-407E-A947-70E740481C1C}">
+                <a14:useLocalDpi xmlns:a14="http://schemas.microsoft.com/office/drawing/2010/main" val="0"/>
+              </a:ext>
+            </a:extLst>
+          </a:blip>
+          <a:srcRect l="27057" t="19997" r="22939" b="32726"/>
+          <a:stretch/>
+        </p:blipFill>
+        <p:spPr>
+          <a:xfrm>
+            <a:off x="4096512" y="1188720"/>
+            <a:ext cx="1554480" cy="4754880"/>
+          </a:xfrm>
+          <a:prstGeom prst="rect">
+            <a:avLst/>
+          </a:prstGeom>
+        </p:spPr>
+      </p:pic>
+      <p:pic>
+        <p:nvPicPr>
+          <p:cNvPr id="142" name="Picture 141"/>
+          <p:cNvPicPr>
+            <a:picLocks noChangeAspect="1"/>
+          </p:cNvPicPr>
+          <p:nvPr/>
+        </p:nvPicPr>
+        <p:blipFill rotWithShape="1">
+          <a:blip r:embed="rId58">
+            <a:extLst>
+              <a:ext uri="{28A0092B-C50C-407E-A947-70E740481C1C}">
+                <a14:useLocalDpi xmlns:a14="http://schemas.microsoft.com/office/drawing/2010/main" val="0"/>
+              </a:ext>
+            </a:extLst>
+          </a:blip>
+          <a:srcRect l="27057" t="19997" r="22939" b="32726"/>
+          <a:stretch/>
+        </p:blipFill>
+        <p:spPr>
+          <a:xfrm>
+            <a:off x="5742432" y="1188720"/>
+            <a:ext cx="1554480" cy="4754880"/>
+          </a:xfrm>
+          <a:prstGeom prst="rect">
+            <a:avLst/>
+          </a:prstGeom>
+        </p:spPr>
+      </p:pic>
+      <p:pic>
+        <p:nvPicPr>
+          <p:cNvPr id="143" name="Picture 142"/>
+          <p:cNvPicPr>
+            <a:picLocks noChangeAspect="1"/>
+          </p:cNvPicPr>
+          <p:nvPr/>
+        </p:nvPicPr>
+        <p:blipFill rotWithShape="1">
+          <a:blip r:embed="rId59">
+            <a:extLst>
+              <a:ext uri="{28A0092B-C50C-407E-A947-70E740481C1C}">
+                <a14:useLocalDpi xmlns:a14="http://schemas.microsoft.com/office/drawing/2010/main" val="0"/>
+              </a:ext>
+            </a:extLst>
+          </a:blip>
+          <a:srcRect l="27057" t="19997" r="22939" b="32726"/>
+          <a:stretch/>
+        </p:blipFill>
+        <p:spPr>
+          <a:xfrm>
+            <a:off x="7388352" y="1188720"/>
+            <a:ext cx="1554480" cy="4754880"/>
+          </a:xfrm>
+          <a:prstGeom prst="rect">
+            <a:avLst/>
+          </a:prstGeom>
+        </p:spPr>
+      </p:pic>
+      <p:pic>
+        <p:nvPicPr>
+          <p:cNvPr id="144" name="Picture 143"/>
+          <p:cNvPicPr>
+            <a:picLocks noChangeAspect="1"/>
+          </p:cNvPicPr>
+          <p:nvPr/>
+        </p:nvPicPr>
+        <p:blipFill rotWithShape="1">
+          <a:blip r:embed="rId60">
+            <a:extLst>
+              <a:ext uri="{28A0092B-C50C-407E-A947-70E740481C1C}">
+                <a14:useLocalDpi xmlns:a14="http://schemas.microsoft.com/office/drawing/2010/main" val="0"/>
+              </a:ext>
+            </a:extLst>
+          </a:blip>
+          <a:srcRect l="27057" t="19997" r="22939" b="32726"/>
+          <a:stretch/>
+        </p:blipFill>
+        <p:spPr>
+          <a:xfrm>
+            <a:off x="9034272" y="1188720"/>
+            <a:ext cx="1554480" cy="4754880"/>
+          </a:xfrm>
+          <a:prstGeom prst="rect">
+            <a:avLst/>
+          </a:prstGeom>
+        </p:spPr>
+      </p:pic>
+      <p:pic>
+        <p:nvPicPr>
+          <p:cNvPr id="145" name="Picture 144"/>
+          <p:cNvPicPr>
+            <a:picLocks noChangeAspect="1"/>
+          </p:cNvPicPr>
+          <p:nvPr/>
+        </p:nvPicPr>
+        <p:blipFill rotWithShape="1">
+          <a:blip r:embed="rId61">
+            <a:extLst>
+              <a:ext uri="{28A0092B-C50C-407E-A947-70E740481C1C}">
+                <a14:useLocalDpi xmlns:a14="http://schemas.microsoft.com/office/drawing/2010/main" val="0"/>
+              </a:ext>
+            </a:extLst>
+          </a:blip>
+          <a:srcRect l="27057" t="19997" r="22939" b="32726"/>
+          <a:stretch/>
+        </p:blipFill>
+        <p:spPr>
+          <a:xfrm>
+            <a:off x="10671048" y="1188720"/>
+            <a:ext cx="1554480" cy="4754880"/>
+          </a:xfrm>
+          <a:prstGeom prst="rect">
+            <a:avLst/>
+          </a:prstGeom>
+        </p:spPr>
+      </p:pic>
+      <p:pic>
+        <p:nvPicPr>
+          <p:cNvPr id="146" name="Picture 145"/>
+          <p:cNvPicPr>
+            <a:picLocks noChangeAspect="1"/>
+          </p:cNvPicPr>
+          <p:nvPr/>
+        </p:nvPicPr>
+        <p:blipFill rotWithShape="1">
+          <a:blip r:embed="rId62">
+            <a:extLst>
+              <a:ext uri="{28A0092B-C50C-407E-A947-70E740481C1C}">
+                <a14:useLocalDpi xmlns:a14="http://schemas.microsoft.com/office/drawing/2010/main" val="0"/>
+              </a:ext>
+            </a:extLst>
+          </a:blip>
+          <a:srcRect l="27057" t="19997" r="22939" b="32726"/>
+          <a:stretch/>
+        </p:blipFill>
+        <p:spPr>
+          <a:xfrm>
+            <a:off x="12326112" y="1188720"/>
+            <a:ext cx="1554480" cy="4754880"/>
+          </a:xfrm>
+          <a:prstGeom prst="rect">
+            <a:avLst/>
+          </a:prstGeom>
+        </p:spPr>
+      </p:pic>
+      <p:pic>
+        <p:nvPicPr>
+          <p:cNvPr id="147" name="Picture 146"/>
+          <p:cNvPicPr>
+            <a:picLocks noChangeAspect="1"/>
+          </p:cNvPicPr>
+          <p:nvPr/>
+        </p:nvPicPr>
+        <p:blipFill rotWithShape="1">
+          <a:blip r:embed="rId63">
+            <a:extLst>
+              <a:ext uri="{28A0092B-C50C-407E-A947-70E740481C1C}">
+                <a14:useLocalDpi xmlns:a14="http://schemas.microsoft.com/office/drawing/2010/main" val="0"/>
+              </a:ext>
+            </a:extLst>
+          </a:blip>
+          <a:srcRect l="27057" t="19997" r="22939" b="32726"/>
+          <a:stretch/>
+        </p:blipFill>
+        <p:spPr>
+          <a:xfrm>
+            <a:off x="13972032" y="1188720"/>
+            <a:ext cx="1554480" cy="4754880"/>
+          </a:xfrm>
+          <a:prstGeom prst="rect">
+            <a:avLst/>
+          </a:prstGeom>
+        </p:spPr>
+      </p:pic>
+      <p:pic>
+        <p:nvPicPr>
+          <p:cNvPr id="148" name="Picture 147"/>
+          <p:cNvPicPr>
+            <a:picLocks noChangeAspect="1"/>
+          </p:cNvPicPr>
+          <p:nvPr/>
+        </p:nvPicPr>
+        <p:blipFill rotWithShape="1">
+          <a:blip r:embed="rId64">
+            <a:extLst>
+              <a:ext uri="{28A0092B-C50C-407E-A947-70E740481C1C}">
+                <a14:useLocalDpi xmlns:a14="http://schemas.microsoft.com/office/drawing/2010/main" val="0"/>
+              </a:ext>
+            </a:extLst>
+          </a:blip>
+          <a:srcRect l="27057" t="19997" r="22939" b="32726"/>
+          <a:stretch/>
+        </p:blipFill>
+        <p:spPr>
+          <a:xfrm>
+            <a:off x="15617952" y="1188720"/>
+            <a:ext cx="1554480" cy="4754880"/>
+          </a:xfrm>
+          <a:prstGeom prst="rect">
+            <a:avLst/>
+          </a:prstGeom>
+        </p:spPr>
+      </p:pic>
+      <p:pic>
+        <p:nvPicPr>
+          <p:cNvPr id="149" name="Picture 148"/>
+          <p:cNvPicPr>
+            <a:picLocks noChangeAspect="1"/>
+          </p:cNvPicPr>
+          <p:nvPr/>
+        </p:nvPicPr>
+        <p:blipFill rotWithShape="1">
+          <a:blip r:embed="rId65">
+            <a:extLst>
+              <a:ext uri="{28A0092B-C50C-407E-A947-70E740481C1C}">
+                <a14:useLocalDpi xmlns:a14="http://schemas.microsoft.com/office/drawing/2010/main" val="0"/>
+              </a:ext>
+            </a:extLst>
+          </a:blip>
+          <a:srcRect l="27057" t="19997" r="22939" b="32726"/>
+          <a:stretch/>
+        </p:blipFill>
+        <p:spPr>
+          <a:xfrm>
+            <a:off x="13972032" y="6373368"/>
+            <a:ext cx="1554480" cy="4754880"/>
+          </a:xfrm>
+          <a:prstGeom prst="rect">
+            <a:avLst/>
+          </a:prstGeom>
+        </p:spPr>
+      </p:pic>
+      <p:pic>
+        <p:nvPicPr>
+          <p:cNvPr id="150" name="Picture 149"/>
+          <p:cNvPicPr>
+            <a:picLocks noChangeAspect="1"/>
+          </p:cNvPicPr>
+          <p:nvPr/>
+        </p:nvPicPr>
+        <p:blipFill rotWithShape="1">
+          <a:blip r:embed="rId66">
+            <a:extLst>
+              <a:ext uri="{28A0092B-C50C-407E-A947-70E740481C1C}">
+                <a14:useLocalDpi xmlns:a14="http://schemas.microsoft.com/office/drawing/2010/main" val="0"/>
+              </a:ext>
+            </a:extLst>
+          </a:blip>
+          <a:srcRect l="27057" t="19997" r="22939" b="32726"/>
+          <a:stretch/>
+        </p:blipFill>
+        <p:spPr>
+          <a:xfrm>
+            <a:off x="15617952" y="6373368"/>
+            <a:ext cx="1554480" cy="4754880"/>
           </a:xfrm>
           <a:prstGeom prst="rect">
             <a:avLst/>
